--- a/team_15/CityHack.pptx
+++ b/team_15/CityHack.pptx
@@ -8,9 +8,10 @@
     <p:sldId id="256" r:id="rId2"/>
     <p:sldId id="257" r:id="rId3"/>
     <p:sldId id="258" r:id="rId4"/>
-    <p:sldId id="260" r:id="rId5"/>
-    <p:sldId id="259" r:id="rId6"/>
-    <p:sldId id="261" r:id="rId7"/>
+    <p:sldId id="262" r:id="rId5"/>
+    <p:sldId id="260" r:id="rId6"/>
+    <p:sldId id="259" r:id="rId7"/>
+    <p:sldId id="261" r:id="rId8"/>
   </p:sldIdLst>
   <p:sldSz cx="12192000" cy="6858000"/>
   <p:notesSz cx="6858000" cy="9144000"/>
@@ -6702,7 +6703,7 @@
             </a:br>
             <a:r>
               <a:rPr lang="en-US" dirty="0"/>
-              <a:t>Makes use of ID card scanners positioned at printing locations to inform users of waiting time.</a:t>
+              <a:t>Makes use of ID card scanners and CV cameras positioned at printing locations and defined study spaces to inform users of waiting time.</a:t>
             </a:r>
           </a:p>
           <a:p>
@@ -6740,611 +6741,6 @@
           </a:p>
           <a:p>
             <a:endParaRPr lang="en-US" dirty="0"/>
-          </a:p>
-        </p:txBody>
-      </p:sp>
-      <p:pic>
-        <p:nvPicPr>
-          <p:cNvPr id="4098" name="Picture 2" descr="Image result for person on phone">
-            <a:extLst>
-              <a:ext uri="{FF2B5EF4-FFF2-40B4-BE49-F238E27FC236}">
-                <a16:creationId xmlns:a16="http://schemas.microsoft.com/office/drawing/2014/main" id="{6D093D36-5FDE-4D47-9068-6C321E04F5E5}"/>
-              </a:ext>
-            </a:extLst>
-          </p:cNvPr>
-          <p:cNvPicPr>
-            <a:picLocks noChangeAspect="1" noChangeArrowheads="1"/>
-          </p:cNvPicPr>
-          <p:nvPr/>
-        </p:nvPicPr>
-        <p:blipFill>
-          <a:blip r:embed="rId2">
-            <a:extLst>
-              <a:ext uri="{28A0092B-C50C-407E-A947-70E740481C1C}">
-                <a14:useLocalDpi xmlns:a14="http://schemas.microsoft.com/office/drawing/2010/main" val="0"/>
-              </a:ext>
-            </a:extLst>
-          </a:blip>
-          <a:srcRect/>
-          <a:stretch>
-            <a:fillRect/>
-          </a:stretch>
-        </p:blipFill>
-        <p:spPr bwMode="auto">
-          <a:xfrm>
-            <a:off x="261354" y="5380003"/>
-            <a:ext cx="769514" cy="1111062"/>
-          </a:xfrm>
-          <a:prstGeom prst="rect">
-            <a:avLst/>
-          </a:prstGeom>
-          <a:noFill/>
-          <a:extLst>
-            <a:ext uri="{909E8E84-426E-40DD-AFC4-6F175D3DCCD1}">
-              <a14:hiddenFill xmlns:a14="http://schemas.microsoft.com/office/drawing/2010/main">
-                <a:solidFill>
-                  <a:srgbClr val="FFFFFF"/>
-                </a:solidFill>
-              </a14:hiddenFill>
-            </a:ext>
-          </a:extLst>
-        </p:spPr>
-      </p:pic>
-      <p:pic>
-        <p:nvPicPr>
-          <p:cNvPr id="4100" name="Picture 4" descr="Image result for ai brain">
-            <a:extLst>
-              <a:ext uri="{FF2B5EF4-FFF2-40B4-BE49-F238E27FC236}">
-                <a16:creationId xmlns:a16="http://schemas.microsoft.com/office/drawing/2014/main" id="{E77E687C-AA6D-48D9-8640-D5057D4424CE}"/>
-              </a:ext>
-            </a:extLst>
-          </p:cNvPr>
-          <p:cNvPicPr>
-            <a:picLocks noChangeAspect="1" noChangeArrowheads="1"/>
-          </p:cNvPicPr>
-          <p:nvPr/>
-        </p:nvPicPr>
-        <p:blipFill>
-          <a:blip r:embed="rId3">
-            <a:extLst>
-              <a:ext uri="{28A0092B-C50C-407E-A947-70E740481C1C}">
-                <a14:useLocalDpi xmlns:a14="http://schemas.microsoft.com/office/drawing/2010/main" val="0"/>
-              </a:ext>
-            </a:extLst>
-          </a:blip>
-          <a:srcRect/>
-          <a:stretch>
-            <a:fillRect/>
-          </a:stretch>
-        </p:blipFill>
-        <p:spPr bwMode="auto">
-          <a:xfrm>
-            <a:off x="1768684" y="5475949"/>
-            <a:ext cx="1100139" cy="1042989"/>
-          </a:xfrm>
-          <a:prstGeom prst="rect">
-            <a:avLst/>
-          </a:prstGeom>
-          <a:noFill/>
-          <a:extLst>
-            <a:ext uri="{909E8E84-426E-40DD-AFC4-6F175D3DCCD1}">
-              <a14:hiddenFill xmlns:a14="http://schemas.microsoft.com/office/drawing/2010/main">
-                <a:solidFill>
-                  <a:srgbClr val="FFFFFF"/>
-                </a:solidFill>
-              </a14:hiddenFill>
-            </a:ext>
-          </a:extLst>
-        </p:spPr>
-      </p:pic>
-      <p:pic>
-        <p:nvPicPr>
-          <p:cNvPr id="4102" name="Picture 6" descr="Image result for server">
-            <a:extLst>
-              <a:ext uri="{FF2B5EF4-FFF2-40B4-BE49-F238E27FC236}">
-                <a16:creationId xmlns:a16="http://schemas.microsoft.com/office/drawing/2014/main" id="{4E6F27D2-6D54-4C57-B931-E7545586E1D4}"/>
-              </a:ext>
-            </a:extLst>
-          </p:cNvPr>
-          <p:cNvPicPr>
-            <a:picLocks noChangeAspect="1" noChangeArrowheads="1"/>
-          </p:cNvPicPr>
-          <p:nvPr/>
-        </p:nvPicPr>
-        <p:blipFill>
-          <a:blip r:embed="rId4">
-            <a:extLst>
-              <a:ext uri="{28A0092B-C50C-407E-A947-70E740481C1C}">
-                <a14:useLocalDpi xmlns:a14="http://schemas.microsoft.com/office/drawing/2010/main" val="0"/>
-              </a:ext>
-            </a:extLst>
-          </a:blip>
-          <a:srcRect/>
-          <a:stretch>
-            <a:fillRect/>
-          </a:stretch>
-        </p:blipFill>
-        <p:spPr bwMode="auto">
-          <a:xfrm>
-            <a:off x="3392607" y="5461664"/>
-            <a:ext cx="1071563" cy="1071563"/>
-          </a:xfrm>
-          <a:prstGeom prst="rect">
-            <a:avLst/>
-          </a:prstGeom>
-          <a:noFill/>
-          <a:extLst>
-            <a:ext uri="{909E8E84-426E-40DD-AFC4-6F175D3DCCD1}">
-              <a14:hiddenFill xmlns:a14="http://schemas.microsoft.com/office/drawing/2010/main">
-                <a:solidFill>
-                  <a:srgbClr val="FFFFFF"/>
-                </a:solidFill>
-              </a14:hiddenFill>
-            </a:ext>
-          </a:extLst>
-        </p:spPr>
-      </p:pic>
-      <p:pic>
-        <p:nvPicPr>
-          <p:cNvPr id="7" name="Picture 2" descr="Image result for person on phone">
-            <a:extLst>
-              <a:ext uri="{FF2B5EF4-FFF2-40B4-BE49-F238E27FC236}">
-                <a16:creationId xmlns:a16="http://schemas.microsoft.com/office/drawing/2014/main" id="{D4C1EE22-A4A2-4E2E-A9E3-90D24483E5F1}"/>
-              </a:ext>
-            </a:extLst>
-          </p:cNvPr>
-          <p:cNvPicPr>
-            <a:picLocks noChangeAspect="1" noChangeArrowheads="1"/>
-          </p:cNvPicPr>
-          <p:nvPr/>
-        </p:nvPicPr>
-        <p:blipFill>
-          <a:blip r:embed="rId2">
-            <a:extLst>
-              <a:ext uri="{28A0092B-C50C-407E-A947-70E740481C1C}">
-                <a14:useLocalDpi xmlns:a14="http://schemas.microsoft.com/office/drawing/2010/main" val="0"/>
-              </a:ext>
-            </a:extLst>
-          </a:blip>
-          <a:srcRect/>
-          <a:stretch>
-            <a:fillRect/>
-          </a:stretch>
-        </p:blipFill>
-        <p:spPr bwMode="auto">
-          <a:xfrm>
-            <a:off x="5195156" y="5380003"/>
-            <a:ext cx="820314" cy="1184410"/>
-          </a:xfrm>
-          <a:prstGeom prst="rect">
-            <a:avLst/>
-          </a:prstGeom>
-          <a:noFill/>
-          <a:extLst>
-            <a:ext uri="{909E8E84-426E-40DD-AFC4-6F175D3DCCD1}">
-              <a14:hiddenFill xmlns:a14="http://schemas.microsoft.com/office/drawing/2010/main">
-                <a:solidFill>
-                  <a:srgbClr val="FFFFFF"/>
-                </a:solidFill>
-              </a14:hiddenFill>
-            </a:ext>
-          </a:extLst>
-        </p:spPr>
-      </p:pic>
-      <p:pic>
-        <p:nvPicPr>
-          <p:cNvPr id="4104" name="Picture 8" descr="Image result for printer icon">
-            <a:extLst>
-              <a:ext uri="{FF2B5EF4-FFF2-40B4-BE49-F238E27FC236}">
-                <a16:creationId xmlns:a16="http://schemas.microsoft.com/office/drawing/2014/main" id="{4BC697BD-6B41-45B2-8E16-38D21D1C1FDF}"/>
-              </a:ext>
-            </a:extLst>
-          </p:cNvPr>
-          <p:cNvPicPr>
-            <a:picLocks noChangeAspect="1" noChangeArrowheads="1"/>
-          </p:cNvPicPr>
-          <p:nvPr/>
-        </p:nvPicPr>
-        <p:blipFill>
-          <a:blip r:embed="rId5">
-            <a:extLst>
-              <a:ext uri="{28A0092B-C50C-407E-A947-70E740481C1C}">
-                <a14:useLocalDpi xmlns:a14="http://schemas.microsoft.com/office/drawing/2010/main" val="0"/>
-              </a:ext>
-            </a:extLst>
-          </a:blip>
-          <a:srcRect/>
-          <a:stretch>
-            <a:fillRect/>
-          </a:stretch>
-        </p:blipFill>
-        <p:spPr bwMode="auto">
-          <a:xfrm>
-            <a:off x="7466640" y="4385296"/>
-            <a:ext cx="660462" cy="660462"/>
-          </a:xfrm>
-          <a:prstGeom prst="rect">
-            <a:avLst/>
-          </a:prstGeom>
-          <a:noFill/>
-          <a:extLst>
-            <a:ext uri="{909E8E84-426E-40DD-AFC4-6F175D3DCCD1}">
-              <a14:hiddenFill xmlns:a14="http://schemas.microsoft.com/office/drawing/2010/main">
-                <a:solidFill>
-                  <a:srgbClr val="FFFFFF"/>
-                </a:solidFill>
-              </a14:hiddenFill>
-            </a:ext>
-          </a:extLst>
-        </p:spPr>
-      </p:pic>
-      <p:pic>
-        <p:nvPicPr>
-          <p:cNvPr id="4106" name="Picture 10" descr="Image result for study spaces">
-            <a:extLst>
-              <a:ext uri="{FF2B5EF4-FFF2-40B4-BE49-F238E27FC236}">
-                <a16:creationId xmlns:a16="http://schemas.microsoft.com/office/drawing/2014/main" id="{B33B789F-17B1-4B8D-9BBE-DE0D9D2C92EC}"/>
-              </a:ext>
-            </a:extLst>
-          </p:cNvPr>
-          <p:cNvPicPr>
-            <a:picLocks noChangeAspect="1" noChangeArrowheads="1"/>
-          </p:cNvPicPr>
-          <p:nvPr/>
-        </p:nvPicPr>
-        <p:blipFill>
-          <a:blip r:embed="rId6">
-            <a:extLst>
-              <a:ext uri="{28A0092B-C50C-407E-A947-70E740481C1C}">
-                <a14:useLocalDpi xmlns:a14="http://schemas.microsoft.com/office/drawing/2010/main" val="0"/>
-              </a:ext>
-            </a:extLst>
-          </a:blip>
-          <a:srcRect/>
-          <a:stretch>
-            <a:fillRect/>
-          </a:stretch>
-        </p:blipFill>
-        <p:spPr bwMode="auto">
-          <a:xfrm>
-            <a:off x="7332752" y="5342109"/>
-            <a:ext cx="1016729" cy="583932"/>
-          </a:xfrm>
-          <a:prstGeom prst="rect">
-            <a:avLst/>
-          </a:prstGeom>
-          <a:noFill/>
-          <a:extLst>
-            <a:ext uri="{909E8E84-426E-40DD-AFC4-6F175D3DCCD1}">
-              <a14:hiddenFill xmlns:a14="http://schemas.microsoft.com/office/drawing/2010/main">
-                <a:solidFill>
-                  <a:srgbClr val="FFFFFF"/>
-                </a:solidFill>
-              </a14:hiddenFill>
-            </a:ext>
-          </a:extLst>
-        </p:spPr>
-      </p:pic>
-      <p:pic>
-        <p:nvPicPr>
-          <p:cNvPr id="4108" name="Picture 12" descr="Image result for navigate">
-            <a:extLst>
-              <a:ext uri="{FF2B5EF4-FFF2-40B4-BE49-F238E27FC236}">
-                <a16:creationId xmlns:a16="http://schemas.microsoft.com/office/drawing/2014/main" id="{3A86A26A-3FA8-4E6B-92B3-AD9CB041AF3C}"/>
-              </a:ext>
-            </a:extLst>
-          </p:cNvPr>
-          <p:cNvPicPr>
-            <a:picLocks noChangeAspect="1" noChangeArrowheads="1"/>
-          </p:cNvPicPr>
-          <p:nvPr/>
-        </p:nvPicPr>
-        <p:blipFill>
-          <a:blip r:embed="rId7">
-            <a:extLst>
-              <a:ext uri="{28A0092B-C50C-407E-A947-70E740481C1C}">
-                <a14:useLocalDpi xmlns:a14="http://schemas.microsoft.com/office/drawing/2010/main" val="0"/>
-              </a:ext>
-            </a:extLst>
-          </a:blip>
-          <a:srcRect/>
-          <a:stretch>
-            <a:fillRect/>
-          </a:stretch>
-        </p:blipFill>
-        <p:spPr bwMode="auto">
-          <a:xfrm>
-            <a:off x="7423730" y="6059356"/>
-            <a:ext cx="925751" cy="817295"/>
-          </a:xfrm>
-          <a:prstGeom prst="rect">
-            <a:avLst/>
-          </a:prstGeom>
-          <a:noFill/>
-          <a:extLst>
-            <a:ext uri="{909E8E84-426E-40DD-AFC4-6F175D3DCCD1}">
-              <a14:hiddenFill xmlns:a14="http://schemas.microsoft.com/office/drawing/2010/main">
-                <a:solidFill>
-                  <a:srgbClr val="FFFFFF"/>
-                </a:solidFill>
-              </a14:hiddenFill>
-            </a:ext>
-          </a:extLst>
-        </p:spPr>
-      </p:pic>
-      <p:sp>
-        <p:nvSpPr>
-          <p:cNvPr id="4" name="Arrow: Right 3">
-            <a:extLst>
-              <a:ext uri="{FF2B5EF4-FFF2-40B4-BE49-F238E27FC236}">
-                <a16:creationId xmlns:a16="http://schemas.microsoft.com/office/drawing/2014/main" id="{34CD16B6-A802-474C-BB58-5D901CCE1962}"/>
-              </a:ext>
-            </a:extLst>
-          </p:cNvPr>
-          <p:cNvSpPr/>
-          <p:nvPr/>
-        </p:nvSpPr>
-        <p:spPr>
-          <a:xfrm>
-            <a:off x="4546131" y="5997445"/>
-            <a:ext cx="438150" cy="123825"/>
-          </a:xfrm>
-          <a:prstGeom prst="rightArrow">
-            <a:avLst/>
-          </a:prstGeom>
-        </p:spPr>
-        <p:style>
-          <a:lnRef idx="2">
-            <a:schemeClr val="accent1">
-              <a:shade val="50000"/>
-            </a:schemeClr>
-          </a:lnRef>
-          <a:fillRef idx="1">
-            <a:schemeClr val="accent1"/>
-          </a:fillRef>
-          <a:effectRef idx="0">
-            <a:schemeClr val="accent1"/>
-          </a:effectRef>
-          <a:fontRef idx="minor">
-            <a:schemeClr val="lt1"/>
-          </a:fontRef>
-        </p:style>
-        <p:txBody>
-          <a:bodyPr rtlCol="0" anchor="ctr"/>
-          <a:lstStyle/>
-          <a:p>
-            <a:pPr algn="ctr"/>
-            <a:endParaRPr lang="en-US"/>
-          </a:p>
-        </p:txBody>
-      </p:sp>
-      <p:sp>
-        <p:nvSpPr>
-          <p:cNvPr id="12" name="Arrow: Right 11">
-            <a:extLst>
-              <a:ext uri="{FF2B5EF4-FFF2-40B4-BE49-F238E27FC236}">
-                <a16:creationId xmlns:a16="http://schemas.microsoft.com/office/drawing/2014/main" id="{5B75F502-B210-435D-BA5F-6821DA894F52}"/>
-              </a:ext>
-            </a:extLst>
-          </p:cNvPr>
-          <p:cNvSpPr/>
-          <p:nvPr/>
-        </p:nvSpPr>
-        <p:spPr>
-          <a:xfrm>
-            <a:off x="2894432" y="5997444"/>
-            <a:ext cx="438150" cy="123825"/>
-          </a:xfrm>
-          <a:prstGeom prst="rightArrow">
-            <a:avLst/>
-          </a:prstGeom>
-        </p:spPr>
-        <p:style>
-          <a:lnRef idx="2">
-            <a:schemeClr val="accent1">
-              <a:shade val="50000"/>
-            </a:schemeClr>
-          </a:lnRef>
-          <a:fillRef idx="1">
-            <a:schemeClr val="accent1"/>
-          </a:fillRef>
-          <a:effectRef idx="0">
-            <a:schemeClr val="accent1"/>
-          </a:effectRef>
-          <a:fontRef idx="minor">
-            <a:schemeClr val="lt1"/>
-          </a:fontRef>
-        </p:style>
-        <p:txBody>
-          <a:bodyPr rtlCol="0" anchor="ctr"/>
-          <a:lstStyle/>
-          <a:p>
-            <a:pPr algn="ctr"/>
-            <a:endParaRPr lang="en-US"/>
-          </a:p>
-        </p:txBody>
-      </p:sp>
-      <p:sp>
-        <p:nvSpPr>
-          <p:cNvPr id="13" name="Arrow: Right 12">
-            <a:extLst>
-              <a:ext uri="{FF2B5EF4-FFF2-40B4-BE49-F238E27FC236}">
-                <a16:creationId xmlns:a16="http://schemas.microsoft.com/office/drawing/2014/main" id="{BF6B12D7-3370-4D60-87E9-EA0B4F55C5FA}"/>
-              </a:ext>
-            </a:extLst>
-          </p:cNvPr>
-          <p:cNvSpPr/>
-          <p:nvPr/>
-        </p:nvSpPr>
-        <p:spPr>
-          <a:xfrm>
-            <a:off x="1304925" y="6010275"/>
-            <a:ext cx="438150" cy="123825"/>
-          </a:xfrm>
-          <a:prstGeom prst="rightArrow">
-            <a:avLst/>
-          </a:prstGeom>
-        </p:spPr>
-        <p:style>
-          <a:lnRef idx="2">
-            <a:schemeClr val="accent1">
-              <a:shade val="50000"/>
-            </a:schemeClr>
-          </a:lnRef>
-          <a:fillRef idx="1">
-            <a:schemeClr val="accent1"/>
-          </a:fillRef>
-          <a:effectRef idx="0">
-            <a:schemeClr val="accent1"/>
-          </a:effectRef>
-          <a:fontRef idx="minor">
-            <a:schemeClr val="lt1"/>
-          </a:fontRef>
-        </p:style>
-        <p:txBody>
-          <a:bodyPr rtlCol="0" anchor="ctr"/>
-          <a:lstStyle/>
-          <a:p>
-            <a:pPr algn="ctr"/>
-            <a:endParaRPr lang="en-US"/>
-          </a:p>
-        </p:txBody>
-      </p:sp>
-      <p:sp>
-        <p:nvSpPr>
-          <p:cNvPr id="14" name="Arrow: Right 13">
-            <a:extLst>
-              <a:ext uri="{FF2B5EF4-FFF2-40B4-BE49-F238E27FC236}">
-                <a16:creationId xmlns:a16="http://schemas.microsoft.com/office/drawing/2014/main" id="{925C6878-A030-4398-B722-6CC7F1F87833}"/>
-              </a:ext>
-            </a:extLst>
-          </p:cNvPr>
-          <p:cNvSpPr/>
-          <p:nvPr/>
-        </p:nvSpPr>
-        <p:spPr>
-          <a:xfrm>
-            <a:off x="6372225" y="4847111"/>
-            <a:ext cx="438150" cy="123825"/>
-          </a:xfrm>
-          <a:prstGeom prst="rightArrow">
-            <a:avLst/>
-          </a:prstGeom>
-        </p:spPr>
-        <p:style>
-          <a:lnRef idx="2">
-            <a:schemeClr val="accent1">
-              <a:shade val="50000"/>
-            </a:schemeClr>
-          </a:lnRef>
-          <a:fillRef idx="1">
-            <a:schemeClr val="accent1"/>
-          </a:fillRef>
-          <a:effectRef idx="0">
-            <a:schemeClr val="accent1"/>
-          </a:effectRef>
-          <a:fontRef idx="minor">
-            <a:schemeClr val="lt1"/>
-          </a:fontRef>
-        </p:style>
-        <p:txBody>
-          <a:bodyPr rtlCol="0" anchor="ctr"/>
-          <a:lstStyle/>
-          <a:p>
-            <a:pPr algn="ctr"/>
-            <a:endParaRPr lang="en-US"/>
-          </a:p>
-        </p:txBody>
-      </p:sp>
-      <p:sp>
-        <p:nvSpPr>
-          <p:cNvPr id="15" name="Arrow: Right 14">
-            <a:extLst>
-              <a:ext uri="{FF2B5EF4-FFF2-40B4-BE49-F238E27FC236}">
-                <a16:creationId xmlns:a16="http://schemas.microsoft.com/office/drawing/2014/main" id="{837A864B-C756-4C1B-95CB-50230F695CE3}"/>
-              </a:ext>
-            </a:extLst>
-          </p:cNvPr>
-          <p:cNvSpPr/>
-          <p:nvPr/>
-        </p:nvSpPr>
-        <p:spPr>
-          <a:xfrm>
-            <a:off x="6387759" y="5664406"/>
-            <a:ext cx="438150" cy="123825"/>
-          </a:xfrm>
-          <a:prstGeom prst="rightArrow">
-            <a:avLst/>
-          </a:prstGeom>
-        </p:spPr>
-        <p:style>
-          <a:lnRef idx="2">
-            <a:schemeClr val="accent1">
-              <a:shade val="50000"/>
-            </a:schemeClr>
-          </a:lnRef>
-          <a:fillRef idx="1">
-            <a:schemeClr val="accent1"/>
-          </a:fillRef>
-          <a:effectRef idx="0">
-            <a:schemeClr val="accent1"/>
-          </a:effectRef>
-          <a:fontRef idx="minor">
-            <a:schemeClr val="lt1"/>
-          </a:fontRef>
-        </p:style>
-        <p:txBody>
-          <a:bodyPr rtlCol="0" anchor="ctr"/>
-          <a:lstStyle/>
-          <a:p>
-            <a:pPr algn="ctr"/>
-            <a:endParaRPr lang="en-US"/>
-          </a:p>
-        </p:txBody>
-      </p:sp>
-      <p:sp>
-        <p:nvSpPr>
-          <p:cNvPr id="16" name="Arrow: Right 15">
-            <a:extLst>
-              <a:ext uri="{FF2B5EF4-FFF2-40B4-BE49-F238E27FC236}">
-                <a16:creationId xmlns:a16="http://schemas.microsoft.com/office/drawing/2014/main" id="{CBCA1AA1-8F93-428C-B8CB-0EE4AC3858A3}"/>
-              </a:ext>
-            </a:extLst>
-          </p:cNvPr>
-          <p:cNvSpPr/>
-          <p:nvPr/>
-        </p:nvSpPr>
-        <p:spPr>
-          <a:xfrm>
-            <a:off x="6387759" y="6502500"/>
-            <a:ext cx="438150" cy="123825"/>
-          </a:xfrm>
-          <a:prstGeom prst="rightArrow">
-            <a:avLst/>
-          </a:prstGeom>
-        </p:spPr>
-        <p:style>
-          <a:lnRef idx="2">
-            <a:schemeClr val="accent1">
-              <a:shade val="50000"/>
-            </a:schemeClr>
-          </a:lnRef>
-          <a:fillRef idx="1">
-            <a:schemeClr val="accent1"/>
-          </a:fillRef>
-          <a:effectRef idx="0">
-            <a:schemeClr val="accent1"/>
-          </a:effectRef>
-          <a:fontRef idx="minor">
-            <a:schemeClr val="lt1"/>
-          </a:fontRef>
-        </p:style>
-        <p:txBody>
-          <a:bodyPr rtlCol="0" anchor="ctr"/>
-          <a:lstStyle/>
-          <a:p>
-            <a:pPr algn="ctr"/>
-            <a:endParaRPr lang="en-US"/>
           </a:p>
         </p:txBody>
       </p:sp>
@@ -7378,6 +6774,551 @@
           <a:chExt cx="0" cy="0"/>
         </a:xfrm>
       </p:grpSpPr>
+      <p:pic>
+        <p:nvPicPr>
+          <p:cNvPr id="4" name="Picture 2" descr="Image result for person on phone">
+            <a:extLst>
+              <a:ext uri="{FF2B5EF4-FFF2-40B4-BE49-F238E27FC236}">
+                <a16:creationId xmlns:a16="http://schemas.microsoft.com/office/drawing/2014/main" id="{3EA5BAAF-82DB-44B4-B1DA-B0663FE9CBA6}"/>
+              </a:ext>
+            </a:extLst>
+          </p:cNvPr>
+          <p:cNvPicPr>
+            <a:picLocks noChangeAspect="1" noChangeArrowheads="1"/>
+          </p:cNvPicPr>
+          <p:nvPr/>
+        </p:nvPicPr>
+        <p:blipFill>
+          <a:blip r:embed="rId2">
+            <a:extLst>
+              <a:ext uri="{28A0092B-C50C-407E-A947-70E740481C1C}">
+                <a14:useLocalDpi xmlns:a14="http://schemas.microsoft.com/office/drawing/2010/main" val="0"/>
+              </a:ext>
+            </a:extLst>
+          </a:blip>
+          <a:srcRect/>
+          <a:stretch>
+            <a:fillRect/>
+          </a:stretch>
+        </p:blipFill>
+        <p:spPr bwMode="auto">
+          <a:xfrm>
+            <a:off x="525463" y="2958629"/>
+            <a:ext cx="1066495" cy="1473847"/>
+          </a:xfrm>
+          <a:prstGeom prst="rect">
+            <a:avLst/>
+          </a:prstGeom>
+          <a:noFill/>
+          <a:extLst>
+            <a:ext uri="{909E8E84-426E-40DD-AFC4-6F175D3DCCD1}">
+              <a14:hiddenFill xmlns:a14="http://schemas.microsoft.com/office/drawing/2010/main">
+                <a:solidFill>
+                  <a:srgbClr val="FFFFFF"/>
+                </a:solidFill>
+              </a14:hiddenFill>
+            </a:ext>
+          </a:extLst>
+        </p:spPr>
+      </p:pic>
+      <p:pic>
+        <p:nvPicPr>
+          <p:cNvPr id="5" name="Picture 4" descr="Image result for ai brain">
+            <a:extLst>
+              <a:ext uri="{FF2B5EF4-FFF2-40B4-BE49-F238E27FC236}">
+                <a16:creationId xmlns:a16="http://schemas.microsoft.com/office/drawing/2014/main" id="{F9B96223-9117-49AD-9164-B8A4D0EB84C4}"/>
+              </a:ext>
+            </a:extLst>
+          </p:cNvPr>
+          <p:cNvPicPr>
+            <a:picLocks noChangeAspect="1" noChangeArrowheads="1"/>
+          </p:cNvPicPr>
+          <p:nvPr/>
+        </p:nvPicPr>
+        <p:blipFill>
+          <a:blip r:embed="rId3">
+            <a:extLst>
+              <a:ext uri="{28A0092B-C50C-407E-A947-70E740481C1C}">
+                <a14:useLocalDpi xmlns:a14="http://schemas.microsoft.com/office/drawing/2010/main" val="0"/>
+              </a:ext>
+            </a:extLst>
+          </a:blip>
+          <a:srcRect/>
+          <a:stretch>
+            <a:fillRect/>
+          </a:stretch>
+        </p:blipFill>
+        <p:spPr bwMode="auto">
+          <a:xfrm>
+            <a:off x="2403382" y="2948477"/>
+            <a:ext cx="1193541" cy="1473847"/>
+          </a:xfrm>
+          <a:prstGeom prst="rect">
+            <a:avLst/>
+          </a:prstGeom>
+          <a:noFill/>
+          <a:extLst>
+            <a:ext uri="{909E8E84-426E-40DD-AFC4-6F175D3DCCD1}">
+              <a14:hiddenFill xmlns:a14="http://schemas.microsoft.com/office/drawing/2010/main">
+                <a:solidFill>
+                  <a:srgbClr val="FFFFFF"/>
+                </a:solidFill>
+              </a14:hiddenFill>
+            </a:ext>
+          </a:extLst>
+        </p:spPr>
+      </p:pic>
+      <p:pic>
+        <p:nvPicPr>
+          <p:cNvPr id="6" name="Picture 6" descr="Image result for server">
+            <a:extLst>
+              <a:ext uri="{FF2B5EF4-FFF2-40B4-BE49-F238E27FC236}">
+                <a16:creationId xmlns:a16="http://schemas.microsoft.com/office/drawing/2014/main" id="{A892A5B5-6441-4098-8BE1-9AD0F1062C69}"/>
+              </a:ext>
+            </a:extLst>
+          </p:cNvPr>
+          <p:cNvPicPr>
+            <a:picLocks noChangeAspect="1" noChangeArrowheads="1"/>
+          </p:cNvPicPr>
+          <p:nvPr/>
+        </p:nvPicPr>
+        <p:blipFill>
+          <a:blip r:embed="rId4">
+            <a:extLst>
+              <a:ext uri="{28A0092B-C50C-407E-A947-70E740481C1C}">
+                <a14:useLocalDpi xmlns:a14="http://schemas.microsoft.com/office/drawing/2010/main" val="0"/>
+              </a:ext>
+            </a:extLst>
+          </a:blip>
+          <a:srcRect/>
+          <a:stretch>
+            <a:fillRect/>
+          </a:stretch>
+        </p:blipFill>
+        <p:spPr bwMode="auto">
+          <a:xfrm>
+            <a:off x="4209578" y="2948478"/>
+            <a:ext cx="1305214" cy="1473847"/>
+          </a:xfrm>
+          <a:prstGeom prst="rect">
+            <a:avLst/>
+          </a:prstGeom>
+          <a:noFill/>
+          <a:extLst>
+            <a:ext uri="{909E8E84-426E-40DD-AFC4-6F175D3DCCD1}">
+              <a14:hiddenFill xmlns:a14="http://schemas.microsoft.com/office/drawing/2010/main">
+                <a:solidFill>
+                  <a:srgbClr val="FFFFFF"/>
+                </a:solidFill>
+              </a14:hiddenFill>
+            </a:ext>
+          </a:extLst>
+        </p:spPr>
+      </p:pic>
+      <p:pic>
+        <p:nvPicPr>
+          <p:cNvPr id="7" name="Picture 2" descr="Image result for person on phone">
+            <a:extLst>
+              <a:ext uri="{FF2B5EF4-FFF2-40B4-BE49-F238E27FC236}">
+                <a16:creationId xmlns:a16="http://schemas.microsoft.com/office/drawing/2014/main" id="{1263FF37-51F4-40DF-9562-911A59C194B1}"/>
+              </a:ext>
+            </a:extLst>
+          </p:cNvPr>
+          <p:cNvPicPr>
+            <a:picLocks noChangeAspect="1" noChangeArrowheads="1"/>
+          </p:cNvPicPr>
+          <p:nvPr/>
+        </p:nvPicPr>
+        <p:blipFill>
+          <a:blip r:embed="rId2">
+            <a:extLst>
+              <a:ext uri="{28A0092B-C50C-407E-A947-70E740481C1C}">
+                <a14:useLocalDpi xmlns:a14="http://schemas.microsoft.com/office/drawing/2010/main" val="0"/>
+              </a:ext>
+            </a:extLst>
+          </a:blip>
+          <a:srcRect/>
+          <a:stretch>
+            <a:fillRect/>
+          </a:stretch>
+        </p:blipFill>
+        <p:spPr bwMode="auto">
+          <a:xfrm>
+            <a:off x="6169496" y="2958629"/>
+            <a:ext cx="1020775" cy="1473846"/>
+          </a:xfrm>
+          <a:prstGeom prst="rect">
+            <a:avLst/>
+          </a:prstGeom>
+          <a:noFill/>
+          <a:extLst>
+            <a:ext uri="{909E8E84-426E-40DD-AFC4-6F175D3DCCD1}">
+              <a14:hiddenFill xmlns:a14="http://schemas.microsoft.com/office/drawing/2010/main">
+                <a:solidFill>
+                  <a:srgbClr val="FFFFFF"/>
+                </a:solidFill>
+              </a14:hiddenFill>
+            </a:ext>
+          </a:extLst>
+        </p:spPr>
+      </p:pic>
+      <p:pic>
+        <p:nvPicPr>
+          <p:cNvPr id="8" name="Picture 10" descr="Image result for study spaces">
+            <a:extLst>
+              <a:ext uri="{FF2B5EF4-FFF2-40B4-BE49-F238E27FC236}">
+                <a16:creationId xmlns:a16="http://schemas.microsoft.com/office/drawing/2014/main" id="{5CF6C558-04A5-40E3-958B-B39EAF8FC84C}"/>
+              </a:ext>
+            </a:extLst>
+          </p:cNvPr>
+          <p:cNvPicPr>
+            <a:picLocks noChangeAspect="1" noChangeArrowheads="1"/>
+          </p:cNvPicPr>
+          <p:nvPr/>
+        </p:nvPicPr>
+        <p:blipFill>
+          <a:blip r:embed="rId5">
+            <a:extLst>
+              <a:ext uri="{28A0092B-C50C-407E-A947-70E740481C1C}">
+                <a14:useLocalDpi xmlns:a14="http://schemas.microsoft.com/office/drawing/2010/main" val="0"/>
+              </a:ext>
+            </a:extLst>
+          </a:blip>
+          <a:srcRect/>
+          <a:stretch>
+            <a:fillRect/>
+          </a:stretch>
+        </p:blipFill>
+        <p:spPr bwMode="auto">
+          <a:xfrm>
+            <a:off x="8497582" y="929485"/>
+            <a:ext cx="1622940" cy="932094"/>
+          </a:xfrm>
+          <a:prstGeom prst="rect">
+            <a:avLst/>
+          </a:prstGeom>
+          <a:noFill/>
+          <a:extLst>
+            <a:ext uri="{909E8E84-426E-40DD-AFC4-6F175D3DCCD1}">
+              <a14:hiddenFill xmlns:a14="http://schemas.microsoft.com/office/drawing/2010/main">
+                <a:solidFill>
+                  <a:srgbClr val="FFFFFF"/>
+                </a:solidFill>
+              </a14:hiddenFill>
+            </a:ext>
+          </a:extLst>
+        </p:spPr>
+      </p:pic>
+      <p:sp>
+        <p:nvSpPr>
+          <p:cNvPr id="9" name="Arrow: Right 8">
+            <a:extLst>
+              <a:ext uri="{FF2B5EF4-FFF2-40B4-BE49-F238E27FC236}">
+                <a16:creationId xmlns:a16="http://schemas.microsoft.com/office/drawing/2014/main" id="{4E65500E-1BBE-4FAD-8DA7-F9647D7F7477}"/>
+              </a:ext>
+            </a:extLst>
+          </p:cNvPr>
+          <p:cNvSpPr/>
+          <p:nvPr/>
+        </p:nvSpPr>
+        <p:spPr>
+          <a:xfrm>
+            <a:off x="5609102" y="3685399"/>
+            <a:ext cx="438150" cy="123825"/>
+          </a:xfrm>
+          <a:prstGeom prst="rightArrow">
+            <a:avLst/>
+          </a:prstGeom>
+        </p:spPr>
+        <p:style>
+          <a:lnRef idx="2">
+            <a:schemeClr val="accent1">
+              <a:shade val="50000"/>
+            </a:schemeClr>
+          </a:lnRef>
+          <a:fillRef idx="1">
+            <a:schemeClr val="accent1"/>
+          </a:fillRef>
+          <a:effectRef idx="0">
+            <a:schemeClr val="accent1"/>
+          </a:effectRef>
+          <a:fontRef idx="minor">
+            <a:schemeClr val="lt1"/>
+          </a:fontRef>
+        </p:style>
+        <p:txBody>
+          <a:bodyPr rtlCol="0" anchor="ctr"/>
+          <a:lstStyle/>
+          <a:p>
+            <a:pPr algn="ctr"/>
+            <a:endParaRPr lang="en-US"/>
+          </a:p>
+        </p:txBody>
+      </p:sp>
+      <p:sp>
+        <p:nvSpPr>
+          <p:cNvPr id="10" name="Arrow: Right 9">
+            <a:extLst>
+              <a:ext uri="{FF2B5EF4-FFF2-40B4-BE49-F238E27FC236}">
+                <a16:creationId xmlns:a16="http://schemas.microsoft.com/office/drawing/2014/main" id="{124AF715-1B56-4AC7-8DB0-D9F089FF2DEF}"/>
+              </a:ext>
+            </a:extLst>
+          </p:cNvPr>
+          <p:cNvSpPr/>
+          <p:nvPr/>
+        </p:nvSpPr>
+        <p:spPr>
+          <a:xfrm>
+            <a:off x="3705200" y="3685400"/>
+            <a:ext cx="438150" cy="123825"/>
+          </a:xfrm>
+          <a:prstGeom prst="rightArrow">
+            <a:avLst/>
+          </a:prstGeom>
+        </p:spPr>
+        <p:style>
+          <a:lnRef idx="2">
+            <a:schemeClr val="accent1">
+              <a:shade val="50000"/>
+            </a:schemeClr>
+          </a:lnRef>
+          <a:fillRef idx="1">
+            <a:schemeClr val="accent1"/>
+          </a:fillRef>
+          <a:effectRef idx="0">
+            <a:schemeClr val="accent1"/>
+          </a:effectRef>
+          <a:fontRef idx="minor">
+            <a:schemeClr val="lt1"/>
+          </a:fontRef>
+        </p:style>
+        <p:txBody>
+          <a:bodyPr rtlCol="0" anchor="ctr"/>
+          <a:lstStyle/>
+          <a:p>
+            <a:pPr algn="ctr"/>
+            <a:endParaRPr lang="en-US"/>
+          </a:p>
+        </p:txBody>
+      </p:sp>
+      <p:sp>
+        <p:nvSpPr>
+          <p:cNvPr id="11" name="Arrow: Right 10">
+            <a:extLst>
+              <a:ext uri="{FF2B5EF4-FFF2-40B4-BE49-F238E27FC236}">
+                <a16:creationId xmlns:a16="http://schemas.microsoft.com/office/drawing/2014/main" id="{91CE9D45-74EA-461A-816A-7506E09E5810}"/>
+              </a:ext>
+            </a:extLst>
+          </p:cNvPr>
+          <p:cNvSpPr/>
+          <p:nvPr/>
+        </p:nvSpPr>
+        <p:spPr>
+          <a:xfrm>
+            <a:off x="1716909" y="3695552"/>
+            <a:ext cx="438150" cy="123825"/>
+          </a:xfrm>
+          <a:prstGeom prst="rightArrow">
+            <a:avLst/>
+          </a:prstGeom>
+        </p:spPr>
+        <p:style>
+          <a:lnRef idx="2">
+            <a:schemeClr val="accent1">
+              <a:shade val="50000"/>
+            </a:schemeClr>
+          </a:lnRef>
+          <a:fillRef idx="1">
+            <a:schemeClr val="accent1"/>
+          </a:fillRef>
+          <a:effectRef idx="0">
+            <a:schemeClr val="accent1"/>
+          </a:effectRef>
+          <a:fontRef idx="minor">
+            <a:schemeClr val="lt1"/>
+          </a:fontRef>
+        </p:style>
+        <p:txBody>
+          <a:bodyPr rtlCol="0" anchor="ctr"/>
+          <a:lstStyle/>
+          <a:p>
+            <a:pPr algn="ctr"/>
+            <a:endParaRPr lang="en-US"/>
+          </a:p>
+        </p:txBody>
+      </p:sp>
+      <p:sp>
+        <p:nvSpPr>
+          <p:cNvPr id="12" name="Arrow: Right 11">
+            <a:extLst>
+              <a:ext uri="{FF2B5EF4-FFF2-40B4-BE49-F238E27FC236}">
+                <a16:creationId xmlns:a16="http://schemas.microsoft.com/office/drawing/2014/main" id="{1F98D7C4-08DA-4143-9700-C28E85DF4E7A}"/>
+              </a:ext>
+            </a:extLst>
+          </p:cNvPr>
+          <p:cNvSpPr/>
+          <p:nvPr/>
+        </p:nvSpPr>
+        <p:spPr>
+          <a:xfrm>
+            <a:off x="7553260" y="3695551"/>
+            <a:ext cx="438150" cy="123825"/>
+          </a:xfrm>
+          <a:prstGeom prst="rightArrow">
+            <a:avLst/>
+          </a:prstGeom>
+        </p:spPr>
+        <p:style>
+          <a:lnRef idx="2">
+            <a:schemeClr val="accent1">
+              <a:shade val="50000"/>
+            </a:schemeClr>
+          </a:lnRef>
+          <a:fillRef idx="1">
+            <a:schemeClr val="accent1"/>
+          </a:fillRef>
+          <a:effectRef idx="0">
+            <a:schemeClr val="accent1"/>
+          </a:effectRef>
+          <a:fontRef idx="minor">
+            <a:schemeClr val="lt1"/>
+          </a:fontRef>
+        </p:style>
+        <p:txBody>
+          <a:bodyPr rtlCol="0" anchor="ctr"/>
+          <a:lstStyle/>
+          <a:p>
+            <a:pPr algn="ctr"/>
+            <a:endParaRPr lang="en-US"/>
+          </a:p>
+        </p:txBody>
+      </p:sp>
+      <p:pic>
+        <p:nvPicPr>
+          <p:cNvPr id="13" name="Picture 8" descr="Image result for printer icon">
+            <a:extLst>
+              <a:ext uri="{FF2B5EF4-FFF2-40B4-BE49-F238E27FC236}">
+                <a16:creationId xmlns:a16="http://schemas.microsoft.com/office/drawing/2014/main" id="{D67B4DA2-1A6E-43DD-B0DE-79C4D52741C9}"/>
+              </a:ext>
+            </a:extLst>
+          </p:cNvPr>
+          <p:cNvPicPr>
+            <a:picLocks noGrp="1" noChangeAspect="1" noChangeArrowheads="1"/>
+          </p:cNvPicPr>
+          <p:nvPr>
+            <p:ph idx="1"/>
+          </p:nvPr>
+        </p:nvPicPr>
+        <p:blipFill>
+          <a:blip r:embed="rId6">
+            <a:extLst>
+              <a:ext uri="{28A0092B-C50C-407E-A947-70E740481C1C}">
+                <a14:useLocalDpi xmlns:a14="http://schemas.microsoft.com/office/drawing/2010/main" val="0"/>
+              </a:ext>
+            </a:extLst>
+          </a:blip>
+          <a:srcRect/>
+          <a:stretch>
+            <a:fillRect/>
+          </a:stretch>
+        </p:blipFill>
+        <p:spPr bwMode="auto">
+          <a:xfrm>
+            <a:off x="8604932" y="5026249"/>
+            <a:ext cx="1408240" cy="1408240"/>
+          </a:xfrm>
+          <a:prstGeom prst="rect">
+            <a:avLst/>
+          </a:prstGeom>
+          <a:noFill/>
+          <a:extLst>
+            <a:ext uri="{909E8E84-426E-40DD-AFC4-6F175D3DCCD1}">
+              <a14:hiddenFill xmlns:a14="http://schemas.microsoft.com/office/drawing/2010/main">
+                <a:solidFill>
+                  <a:srgbClr val="FFFFFF"/>
+                </a:solidFill>
+              </a14:hiddenFill>
+            </a:ext>
+          </a:extLst>
+        </p:spPr>
+      </p:pic>
+      <p:pic>
+        <p:nvPicPr>
+          <p:cNvPr id="6146" name="Picture 2" descr="Image result for queue">
+            <a:extLst>
+              <a:ext uri="{FF2B5EF4-FFF2-40B4-BE49-F238E27FC236}">
+                <a16:creationId xmlns:a16="http://schemas.microsoft.com/office/drawing/2014/main" id="{02528514-5C93-48B3-9627-CD01D9772028}"/>
+              </a:ext>
+            </a:extLst>
+          </p:cNvPr>
+          <p:cNvPicPr>
+            <a:picLocks noChangeAspect="1" noChangeArrowheads="1"/>
+          </p:cNvPicPr>
+          <p:nvPr/>
+        </p:nvPicPr>
+        <p:blipFill>
+          <a:blip r:embed="rId7">
+            <a:extLst>
+              <a:ext uri="{28A0092B-C50C-407E-A947-70E740481C1C}">
+                <a14:useLocalDpi xmlns:a14="http://schemas.microsoft.com/office/drawing/2010/main" val="0"/>
+              </a:ext>
+            </a:extLst>
+          </a:blip>
+          <a:srcRect/>
+          <a:stretch>
+            <a:fillRect/>
+          </a:stretch>
+        </p:blipFill>
+        <p:spPr bwMode="auto">
+          <a:xfrm>
+            <a:off x="8497582" y="2948478"/>
+            <a:ext cx="1723718" cy="1314586"/>
+          </a:xfrm>
+          <a:prstGeom prst="rect">
+            <a:avLst/>
+          </a:prstGeom>
+          <a:noFill/>
+          <a:extLst>
+            <a:ext uri="{909E8E84-426E-40DD-AFC4-6F175D3DCCD1}">
+              <a14:hiddenFill xmlns:a14="http://schemas.microsoft.com/office/drawing/2010/main">
+                <a:solidFill>
+                  <a:srgbClr val="FFFFFF"/>
+                </a:solidFill>
+              </a14:hiddenFill>
+            </a:ext>
+          </a:extLst>
+        </p:spPr>
+      </p:pic>
+    </p:spTree>
+    <p:extLst>
+      <p:ext uri="{BB962C8B-B14F-4D97-AF65-F5344CB8AC3E}">
+        <p14:creationId xmlns:p14="http://schemas.microsoft.com/office/powerpoint/2010/main" val="4027780326"/>
+      </p:ext>
+    </p:extLst>
+  </p:cSld>
+  <p:clrMapOvr>
+    <a:masterClrMapping/>
+  </p:clrMapOvr>
+</p:sld>
+</file>
+
+<file path=ppt/slides/slide5.xml><?xml version="1.0" encoding="utf-8"?>
+<p:sld xmlns:a="http://schemas.openxmlformats.org/drawingml/2006/main" xmlns:r="http://schemas.openxmlformats.org/officeDocument/2006/relationships" xmlns:p="http://schemas.openxmlformats.org/presentationml/2006/main">
+  <p:cSld>
+    <p:spTree>
+      <p:nvGrpSpPr>
+        <p:cNvPr id="1" name=""/>
+        <p:cNvGrpSpPr/>
+        <p:nvPr/>
+      </p:nvGrpSpPr>
+      <p:grpSpPr>
+        <a:xfrm>
+          <a:off x="0" y="0"/>
+          <a:ext cx="0" cy="0"/>
+          <a:chOff x="0" y="0"/>
+          <a:chExt cx="0" cy="0"/>
+        </a:xfrm>
+      </p:grpSpPr>
       <p:sp>
         <p:nvSpPr>
           <p:cNvPr id="2" name="Title 1">
@@ -7571,7 +7512,7 @@
 </p:sld>
 </file>
 
-<file path=ppt/slides/slide5.xml><?xml version="1.0" encoding="utf-8"?>
+<file path=ppt/slides/slide6.xml><?xml version="1.0" encoding="utf-8"?>
 <p:sld xmlns:a="http://schemas.openxmlformats.org/drawingml/2006/main" xmlns:r="http://schemas.openxmlformats.org/officeDocument/2006/relationships" xmlns:p="http://schemas.openxmlformats.org/presentationml/2006/main">
   <p:cSld>
     <p:spTree>
@@ -8047,7 +7988,7 @@
 </p:sld>
 </file>
 
-<file path=ppt/slides/slide6.xml><?xml version="1.0" encoding="utf-8"?>
+<file path=ppt/slides/slide7.xml><?xml version="1.0" encoding="utf-8"?>
 <p:sld xmlns:a="http://schemas.openxmlformats.org/drawingml/2006/main" xmlns:r="http://schemas.openxmlformats.org/officeDocument/2006/relationships" xmlns:p="http://schemas.openxmlformats.org/presentationml/2006/main">
   <p:cSld>
     <p:bg>
